--- a/asset/lstm.pptx
+++ b/asset/lstm.pptx
@@ -3535,6 +3535,7 @@
                     </a:extLst>
                   </p:cNvPr>
                   <p:cNvCxnSpPr>
+                    <a:cxnSpLocks/>
                     <a:stCxn id="8" idx="0"/>
                     <a:endCxn id="5" idx="2"/>
                   </p:cNvCxnSpPr>
@@ -3941,7 +3942,7 @@
               <p:spPr>
                 <a:xfrm>
                   <a:off x="3776038" y="680428"/>
-                  <a:ext cx="1688667" cy="369332"/>
+                  <a:ext cx="1685461" cy="369332"/>
                 </a:xfrm>
                 <a:prstGeom prst="rect">
                   <a:avLst/>
@@ -3955,8 +3956,12 @@
                 <a:lstStyle/>
                 <a:p>
                   <a:r>
-                    <a:rPr lang="en-US" dirty="0"/>
-                    <a:t>Multiple LSTMs</a:t>
+                    <a:rPr lang="en-US" dirty="0">
+                      <a:solidFill>
+                        <a:schemeClr val="bg1"/>
+                      </a:solidFill>
+                    </a:rPr>
+                    <a:t>Stacked LSTMs</a:t>
                   </a:r>
                 </a:p>
               </p:txBody>
@@ -4395,7 +4400,11 @@
               <a:lstStyle/>
               <a:p>
                 <a:r>
-                  <a:rPr lang="en-US" dirty="0"/>
+                  <a:rPr lang="en-US" dirty="0">
+                    <a:solidFill>
+                      <a:schemeClr val="bg1"/>
+                    </a:solidFill>
+                  </a:rPr>
                   <a:t>Ensemble LSTM</a:t>
                 </a:r>
               </a:p>
@@ -5327,7 +5336,11 @@
                   <a:lstStyle/>
                   <a:p>
                     <a:r>
-                      <a:rPr lang="en-US" dirty="0"/>
+                      <a:rPr lang="en-US" dirty="0">
+                        <a:solidFill>
+                          <a:schemeClr val="bg1"/>
+                        </a:solidFill>
+                      </a:rPr>
                       <a:t>Attention LSTM</a:t>
                     </a:r>
                   </a:p>
